--- a/PA/y9acting/Lesson 7 YC - Forum Theatre.pptx
+++ b/PA/y9acting/Lesson 7 YC - Forum Theatre.pptx
@@ -14055,7 +14055,7 @@
           </a:effectLst>
           <a:extLst>
             <a:ext uri="{91240B29-F687-4f45-9708-019B960494DF}">
-              <a14:hiddenLine xmlns:a14="http://schemas.microsoft.com/office/drawing/2010/main" xmlns="" w="9525">
+              <a14:hiddenLine xmlns="" xmlns:a14="http://schemas.microsoft.com/office/drawing/2010/main" w="9525">
                 <a:solidFill>
                   <a:schemeClr val="tx1"/>
                 </a:solidFill>
@@ -14065,7 +14065,7 @@
               </a14:hiddenLine>
             </a:ext>
             <a:ext uri="{AF507438-7753-43e0-B8FC-AC1667EBCBE1}">
-              <a14:hiddenEffects xmlns:a14="http://schemas.microsoft.com/office/drawing/2010/main" xmlns="">
+              <a14:hiddenEffects xmlns="" xmlns:a14="http://schemas.microsoft.com/office/drawing/2010/main">
                 <a:effectLst>
                   <a:outerShdw dist="35921" dir="2700000" algn="ctr" rotWithShape="0">
                     <a:schemeClr val="bg2"/>
@@ -14371,7 +14371,7 @@
           </a:effectLst>
           <a:extLst>
             <a:ext uri="{91240B29-F687-4f45-9708-019B960494DF}">
-              <a14:hiddenLine xmlns:a14="http://schemas.microsoft.com/office/drawing/2010/main" xmlns="" w="9525">
+              <a14:hiddenLine xmlns="" xmlns:a14="http://schemas.microsoft.com/office/drawing/2010/main" w="9525">
                 <a:solidFill>
                   <a:schemeClr val="tx1"/>
                 </a:solidFill>
@@ -14381,7 +14381,7 @@
               </a14:hiddenLine>
             </a:ext>
             <a:ext uri="{AF507438-7753-43e0-B8FC-AC1667EBCBE1}">
-              <a14:hiddenEffects xmlns:a14="http://schemas.microsoft.com/office/drawing/2010/main" xmlns="">
+              <a14:hiddenEffects xmlns="" xmlns:a14="http://schemas.microsoft.com/office/drawing/2010/main">
                 <a:effectLst>
                   <a:outerShdw dist="35921" dir="2700000" algn="ctr" rotWithShape="0">
                     <a:schemeClr val="bg2"/>
@@ -14851,7 +14851,7 @@
           </a:effectLst>
           <a:extLst>
             <a:ext uri="{91240B29-F687-4f45-9708-019B960494DF}">
-              <a14:hiddenLine xmlns:a14="http://schemas.microsoft.com/office/drawing/2010/main" xmlns="" w="9525">
+              <a14:hiddenLine xmlns="" xmlns:a14="http://schemas.microsoft.com/office/drawing/2010/main" w="9525">
                 <a:solidFill>
                   <a:schemeClr val="tx1"/>
                 </a:solidFill>
@@ -14861,7 +14861,7 @@
               </a14:hiddenLine>
             </a:ext>
             <a:ext uri="{AF507438-7753-43e0-B8FC-AC1667EBCBE1}">
-              <a14:hiddenEffects xmlns:a14="http://schemas.microsoft.com/office/drawing/2010/main" xmlns="">
+              <a14:hiddenEffects xmlns="" xmlns:a14="http://schemas.microsoft.com/office/drawing/2010/main">
                 <a:effectLst>
                   <a:outerShdw dist="35921" dir="2700000" algn="ctr" rotWithShape="0">
                     <a:schemeClr val="bg2"/>
@@ -15184,7 +15184,7 @@
           </a:effectLst>
           <a:extLst>
             <a:ext uri="{91240B29-F687-4f45-9708-019B960494DF}">
-              <a14:hiddenLine xmlns:a14="http://schemas.microsoft.com/office/drawing/2010/main" xmlns="" w="9525">
+              <a14:hiddenLine xmlns="" xmlns:a14="http://schemas.microsoft.com/office/drawing/2010/main" w="9525">
                 <a:solidFill>
                   <a:schemeClr val="tx1"/>
                 </a:solidFill>
@@ -15194,7 +15194,7 @@
               </a14:hiddenLine>
             </a:ext>
             <a:ext uri="{AF507438-7753-43e0-B8FC-AC1667EBCBE1}">
-              <a14:hiddenEffects xmlns:a14="http://schemas.microsoft.com/office/drawing/2010/main" xmlns="">
+              <a14:hiddenEffects xmlns="" xmlns:a14="http://schemas.microsoft.com/office/drawing/2010/main">
                 <a:effectLst>
                   <a:outerShdw dist="35921" dir="2700000" algn="ctr" rotWithShape="0">
                     <a:schemeClr val="bg2"/>
@@ -15703,7 +15703,7 @@
           <a:noFill/>
           <a:extLst>
             <a:ext uri="{909E8E84-426E-40dd-AFC4-6F175D3DCCD1}">
-              <a14:hiddenFill xmlns:a14="http://schemas.microsoft.com/office/drawing/2010/main" xmlns="">
+              <a14:hiddenFill xmlns="" xmlns:a14="http://schemas.microsoft.com/office/drawing/2010/main">
                 <a:solidFill>
                   <a:srgbClr val="FFFFFF"/>
                 </a:solidFill>
@@ -15857,7 +15857,11 @@
           <a:p>
             <a:r>
               <a:rPr lang="en-GB" sz="6600" dirty="0" smtClean="0"/>
-              <a:t>WALT:</a:t>
+              <a:t>Lesson Objectives</a:t>
+            </a:r>
+            <a:r>
+              <a:rPr lang="en-GB" sz="6600" dirty="0" smtClean="0"/>
+              <a:t>:</a:t>
             </a:r>
             <a:endParaRPr lang="en-GB" sz="6600" dirty="0"/>
           </a:p>
@@ -16117,8 +16121,12 @@
           <a:lstStyle/>
           <a:p>
             <a:r>
-              <a:rPr lang="en-GB" sz="7200" smtClean="0"/>
-              <a:t>WILF:</a:t>
+              <a:rPr lang="en-GB" sz="7200" dirty="0" smtClean="0"/>
+              <a:t>Lesson Outcomes</a:t>
+            </a:r>
+            <a:r>
+              <a:rPr lang="en-GB" sz="7200" dirty="0" smtClean="0"/>
+              <a:t>:</a:t>
             </a:r>
             <a:endParaRPr lang="en-GB" sz="7200" dirty="0"/>
           </a:p>
@@ -16251,7 +16259,7 @@
         </p:nvSpPr>
         <p:spPr>
           <a:xfrm>
-            <a:off x="179512" y="274638"/>
+            <a:off x="228599" y="260648"/>
             <a:ext cx="8686800" cy="1143000"/>
           </a:xfrm>
         </p:spPr>
@@ -16266,17 +16274,13 @@
               <a:rPr lang="en-GB" sz="4400" dirty="0" smtClean="0"/>
               <a:t>LESSON OUTCOMES</a:t>
             </a:r>
+            <a:r>
+              <a:rPr lang="en-GB" sz="4400" smtClean="0"/>
+              <a:t/>
+            </a:r>
             <a:br>
-              <a:rPr lang="en-GB" sz="4400" dirty="0" smtClean="0"/>
+              <a:rPr lang="en-GB" sz="4400" smtClean="0"/>
             </a:br>
-            <a:r>
-              <a:rPr lang="en-GB" sz="4400" dirty="0" smtClean="0">
-                <a:solidFill>
-                  <a:srgbClr val="FF0000"/>
-                </a:solidFill>
-              </a:rPr>
-              <a:t>ADD LEVELS and DIFFERENTIATION </a:t>
-            </a:r>
             <a:endParaRPr lang="en-GB" sz="4400" dirty="0">
               <a:solidFill>
                 <a:srgbClr val="FF0000"/>
@@ -16285,68 +16289,32 @@
           </a:p>
         </p:txBody>
       </p:sp>
-      <p:sp>
-        <p:nvSpPr>
-          <p:cNvPr id="3" name="Content Placeholder 2"/>
-          <p:cNvSpPr>
-            <a:spLocks noGrp="1"/>
-          </p:cNvSpPr>
+      <p:pic>
+        <p:nvPicPr>
+          <p:cNvPr id="4" name="Content Placeholder 3"/>
+          <p:cNvPicPr>
+            <a:picLocks noGrp="1" noChangeAspect="1"/>
+          </p:cNvPicPr>
           <p:nvPr>
             <p:ph idx="1"/>
           </p:nvPr>
-        </p:nvSpPr>
+        </p:nvPicPr>
+        <p:blipFill>
+          <a:blip r:embed="rId2"/>
+          <a:stretch>
+            <a:fillRect/>
+          </a:stretch>
+        </p:blipFill>
         <p:spPr>
           <a:xfrm>
-            <a:off x="457200" y="1600200"/>
-            <a:ext cx="8229600" cy="5069160"/>
+            <a:off x="395536" y="851604"/>
+            <a:ext cx="8369516" cy="5601732"/>
           </a:xfrm>
+          <a:prstGeom prst="rect">
+            <a:avLst/>
+          </a:prstGeom>
         </p:spPr>
-        <p:txBody>
-          <a:bodyPr>
-            <a:normAutofit lnSpcReduction="10000"/>
-          </a:bodyPr>
-          <a:lstStyle/>
-          <a:p>
-            <a:r>
-              <a:rPr lang="en-GB" sz="2800" b="1" dirty="0" smtClean="0"/>
-              <a:t>I will stay in role during tasks/activities/performances. </a:t>
-            </a:r>
-          </a:p>
-          <a:p>
-            <a:endParaRPr lang="en-GB" sz="2800" b="1" dirty="0"/>
-          </a:p>
-          <a:p>
-            <a:r>
-              <a:rPr lang="en-GB" sz="2800" b="1" dirty="0" smtClean="0"/>
-              <a:t>I will perform a character different to myself during </a:t>
-            </a:r>
-            <a:r>
-              <a:rPr lang="en-GB" sz="2800" b="1" dirty="0"/>
-              <a:t>tasks/activities/performances. </a:t>
-            </a:r>
-            <a:endParaRPr lang="en-GB" sz="2800" b="1" dirty="0" smtClean="0"/>
-          </a:p>
-          <a:p>
-            <a:endParaRPr lang="en-GB" sz="2800" b="1" dirty="0"/>
-          </a:p>
-          <a:p>
-            <a:r>
-              <a:rPr lang="en-GB" sz="2800" b="1" dirty="0" smtClean="0"/>
-              <a:t>I will confidently use drama techniques (thought tracking/still image) during my exploration.</a:t>
-            </a:r>
-          </a:p>
-          <a:p>
-            <a:endParaRPr lang="en-GB" sz="2800" b="1" dirty="0"/>
-          </a:p>
-          <a:p>
-            <a:r>
-              <a:rPr lang="en-GB" sz="2800" b="1" dirty="0" smtClean="0"/>
-              <a:t>I will use P.E.E.E.E.E. when evaluating my own work and the work of my peers.</a:t>
-            </a:r>
-            <a:endParaRPr lang="en-GB" sz="2800" b="1" dirty="0"/>
-          </a:p>
-        </p:txBody>
-      </p:sp>
+      </p:pic>
     </p:spTree>
     <p:extLst>
       <p:ext uri="{BB962C8B-B14F-4D97-AF65-F5344CB8AC3E}">
@@ -16480,7 +16448,7 @@
           </a:effectLst>
           <a:extLst>
             <a:ext uri="{91240B29-F687-4f45-9708-019B960494DF}">
-              <a14:hiddenLine xmlns:a14="http://schemas.microsoft.com/office/drawing/2010/main" xmlns="" w="9525">
+              <a14:hiddenLine xmlns="" xmlns:a14="http://schemas.microsoft.com/office/drawing/2010/main" w="9525">
                 <a:solidFill>
                   <a:schemeClr val="tx1"/>
                 </a:solidFill>
@@ -16490,7 +16458,7 @@
               </a14:hiddenLine>
             </a:ext>
             <a:ext uri="{AF507438-7753-43e0-B8FC-AC1667EBCBE1}">
-              <a14:hiddenEffects xmlns:a14="http://schemas.microsoft.com/office/drawing/2010/main" xmlns="">
+              <a14:hiddenEffects xmlns="" xmlns:a14="http://schemas.microsoft.com/office/drawing/2010/main">
                 <a:effectLst>
                   <a:outerShdw dist="35921" dir="2700000" algn="ctr" rotWithShape="0">
                     <a:schemeClr val="bg2"/>
@@ -16649,7 +16617,7 @@
           <a:noFill/>
           <a:extLst>
             <a:ext uri="{909E8E84-426E-40dd-AFC4-6F175D3DCCD1}">
-              <a14:hiddenFill xmlns:a14="http://schemas.microsoft.com/office/drawing/2010/main" xmlns="">
+              <a14:hiddenFill xmlns="" xmlns:a14="http://schemas.microsoft.com/office/drawing/2010/main">
                 <a:solidFill>
                   <a:srgbClr val="FFFFFF"/>
                 </a:solidFill>
@@ -16832,7 +16800,7 @@
           </a:effectLst>
           <a:extLst>
             <a:ext uri="{909E8E84-426E-40dd-AFC4-6F175D3DCCD1}">
-              <a14:hiddenFill xmlns:a14="http://schemas.microsoft.com/office/drawing/2010/main" xmlns="">
+              <a14:hiddenFill xmlns="" xmlns:a14="http://schemas.microsoft.com/office/drawing/2010/main">
                 <a:solidFill>
                   <a:srgbClr val="FFFFFF"/>
                 </a:solidFill>
@@ -17390,7 +17358,7 @@
           <a:noFill/>
           <a:extLst>
             <a:ext uri="{909E8E84-426E-40dd-AFC4-6F175D3DCCD1}">
-              <a14:hiddenFill xmlns:a14="http://schemas.microsoft.com/office/drawing/2010/main" xmlns="">
+              <a14:hiddenFill xmlns="" xmlns:a14="http://schemas.microsoft.com/office/drawing/2010/main">
                 <a:solidFill>
                   <a:srgbClr val="FFFFFF"/>
                 </a:solidFill>
